--- a/Documentation/T12 Capstone Poster 2.3.pptx
+++ b/Documentation/T12 Capstone Poster 2.3.pptx
@@ -11,7 +11,7 @@
     <p:sldId id="256" r:id="rId2"/>
   </p:sldIdLst>
   <p:sldSz cx="43891200" cy="32918400"/>
-  <p:notesSz cx="6858000" cy="9144000"/>
+  <p:notesSz cx="7315200" cy="9601200"/>
   <p:defaultTextStyle>
     <a:defPPr>
       <a:defRPr lang="en-US"/>
@@ -145,17 +145,17 @@
         <p:spPr>
           <a:xfrm>
             <a:off x="0" y="0"/>
-            <a:ext cx="2971800" cy="457200"/>
+            <a:ext cx="3169920" cy="480060"/>
           </a:xfrm>
           <a:prstGeom prst="rect">
             <a:avLst/>
           </a:prstGeom>
         </p:spPr>
         <p:txBody>
-          <a:bodyPr vert="horz" lIns="91440" tIns="45720" rIns="91440" bIns="45720" rtlCol="0"/>
+          <a:bodyPr vert="horz" lIns="96661" tIns="48331" rIns="96661" bIns="48331" rtlCol="0"/>
           <a:lstStyle>
             <a:lvl1pPr algn="l">
-              <a:defRPr sz="1200"/>
+              <a:defRPr sz="1300"/>
             </a:lvl1pPr>
           </a:lstStyle>
           <a:p>
@@ -175,18 +175,18 @@
         </p:nvSpPr>
         <p:spPr>
           <a:xfrm>
-            <a:off x="3884613" y="0"/>
-            <a:ext cx="2971800" cy="457200"/>
+            <a:off x="4143587" y="0"/>
+            <a:ext cx="3169920" cy="480060"/>
           </a:xfrm>
           <a:prstGeom prst="rect">
             <a:avLst/>
           </a:prstGeom>
         </p:spPr>
         <p:txBody>
-          <a:bodyPr vert="horz" lIns="91440" tIns="45720" rIns="91440" bIns="45720" rtlCol="0"/>
+          <a:bodyPr vert="horz" lIns="96661" tIns="48331" rIns="96661" bIns="48331" rtlCol="0"/>
           <a:lstStyle>
             <a:lvl1pPr algn="r">
-              <a:defRPr sz="1200"/>
+              <a:defRPr sz="1300"/>
             </a:lvl1pPr>
           </a:lstStyle>
           <a:p>
@@ -210,8 +210,8 @@
         </p:nvSpPr>
         <p:spPr>
           <a:xfrm>
-            <a:off x="1143000" y="685800"/>
-            <a:ext cx="4572000" cy="3429000"/>
+            <a:off x="1257300" y="720725"/>
+            <a:ext cx="4800600" cy="3600450"/>
           </a:xfrm>
           <a:prstGeom prst="rect">
             <a:avLst/>
@@ -224,7 +224,7 @@
           </a:ln>
         </p:spPr>
         <p:txBody>
-          <a:bodyPr vert="horz" lIns="91440" tIns="45720" rIns="91440" bIns="45720" rtlCol="0" anchor="ctr"/>
+          <a:bodyPr vert="horz" lIns="96661" tIns="48331" rIns="96661" bIns="48331" rtlCol="0" anchor="ctr"/>
           <a:lstStyle/>
           <a:p>
             <a:endParaRPr lang="en-US" dirty="0"/>
@@ -243,15 +243,15 @@
         </p:nvSpPr>
         <p:spPr>
           <a:xfrm>
-            <a:off x="685800" y="4343400"/>
-            <a:ext cx="5486400" cy="4114800"/>
+            <a:off x="731520" y="4560570"/>
+            <a:ext cx="5852160" cy="4320540"/>
           </a:xfrm>
           <a:prstGeom prst="rect">
             <a:avLst/>
           </a:prstGeom>
         </p:spPr>
         <p:txBody>
-          <a:bodyPr vert="horz" lIns="91440" tIns="45720" rIns="91440" bIns="45720" rtlCol="0"/>
+          <a:bodyPr vert="horz" lIns="96661" tIns="48331" rIns="96661" bIns="48331" rtlCol="0"/>
           <a:lstStyle/>
           <a:p>
             <a:pPr lvl="0"/>
@@ -303,18 +303,18 @@
         </p:nvSpPr>
         <p:spPr>
           <a:xfrm>
-            <a:off x="0" y="8685213"/>
-            <a:ext cx="2971800" cy="457200"/>
+            <a:off x="0" y="9119474"/>
+            <a:ext cx="3169920" cy="480060"/>
           </a:xfrm>
           <a:prstGeom prst="rect">
             <a:avLst/>
           </a:prstGeom>
         </p:spPr>
         <p:txBody>
-          <a:bodyPr vert="horz" lIns="91440" tIns="45720" rIns="91440" bIns="45720" rtlCol="0" anchor="b"/>
+          <a:bodyPr vert="horz" lIns="96661" tIns="48331" rIns="96661" bIns="48331" rtlCol="0" anchor="b"/>
           <a:lstStyle>
             <a:lvl1pPr algn="l">
-              <a:defRPr sz="1200"/>
+              <a:defRPr sz="1300"/>
             </a:lvl1pPr>
           </a:lstStyle>
           <a:p>
@@ -334,18 +334,18 @@
         </p:nvSpPr>
         <p:spPr>
           <a:xfrm>
-            <a:off x="3884613" y="8685213"/>
-            <a:ext cx="2971800" cy="457200"/>
+            <a:off x="4143587" y="9119474"/>
+            <a:ext cx="3169920" cy="480060"/>
           </a:xfrm>
           <a:prstGeom prst="rect">
             <a:avLst/>
           </a:prstGeom>
         </p:spPr>
         <p:txBody>
-          <a:bodyPr vert="horz" lIns="91440" tIns="45720" rIns="91440" bIns="45720" rtlCol="0" anchor="b"/>
+          <a:bodyPr vert="horz" lIns="96661" tIns="48331" rIns="96661" bIns="48331" rtlCol="0" anchor="b"/>
           <a:lstStyle>
             <a:lvl1pPr algn="r">
-              <a:defRPr sz="1200"/>
+              <a:defRPr sz="1300"/>
             </a:lvl1pPr>
           </a:lstStyle>
           <a:p>
@@ -3859,7 +3859,7 @@
         </p:blipFill>
         <p:spPr bwMode="auto">
           <a:xfrm>
-            <a:off x="35816991" y="22065711"/>
+            <a:off x="35816991" y="22378212"/>
             <a:ext cx="6813645" cy="5398578"/>
           </a:xfrm>
           <a:prstGeom prst="rect">
@@ -3931,8 +3931,8 @@
         </p:nvSpPr>
         <p:spPr>
           <a:xfrm>
-            <a:off x="13934820" y="9005262"/>
-            <a:ext cx="12611423" cy="5509200"/>
+            <a:off x="13934819" y="9005262"/>
+            <a:ext cx="13441680" cy="5509200"/>
           </a:xfrm>
           <a:prstGeom prst="rect">
             <a:avLst/>
@@ -4553,11 +4553,7 @@
             </a:r>
             <a:r>
               <a:rPr lang="en-US" sz="4400" dirty="0" smtClean="0"/>
-              <a:t>uses </a:t>
-            </a:r>
-            <a:r>
-              <a:rPr lang="en-US" sz="4400" dirty="0" smtClean="0"/>
-              <a:t>four aggressor lines in parallel </a:t>
+              <a:t>uses four aggressor lines in parallel </a:t>
             </a:r>
             <a:r>
               <a:rPr lang="en-US" sz="4400" dirty="0"/>
@@ -4581,11 +4577,7 @@
             </a:r>
             <a:r>
               <a:rPr lang="en-US" sz="4400" dirty="0" smtClean="0"/>
-              <a:t>patterns </a:t>
-            </a:r>
-            <a:r>
-              <a:rPr lang="en-US" sz="4400" dirty="0" smtClean="0"/>
-              <a:t>for each trace. This shows that the effect on the signal depends on both the  previous symbols and the nearby signals.</a:t>
+              <a:t>patterns for each trace. This shows that the effect on the signal depends on both the  previous symbols and the nearby signals.</a:t>
             </a:r>
             <a:endParaRPr lang="en-US" sz="4400" dirty="0"/>
           </a:p>
@@ -4761,7 +4753,7 @@
         </p:nvSpPr>
         <p:spPr>
           <a:xfrm>
-            <a:off x="28849415" y="22056031"/>
+            <a:off x="28849415" y="21464872"/>
             <a:ext cx="6699373" cy="7540526"/>
           </a:xfrm>
           <a:prstGeom prst="rect">
